--- a/pres.pptx
+++ b/pres.pptx
@@ -9,12 +9,13 @@
     <p:sldId id="257" r:id="rId3"/>
     <p:sldId id="258" r:id="rId4"/>
     <p:sldId id="259" r:id="rId5"/>
-    <p:sldId id="261" r:id="rId6"/>
-    <p:sldId id="260" r:id="rId7"/>
-    <p:sldId id="262" r:id="rId8"/>
-    <p:sldId id="263" r:id="rId9"/>
-    <p:sldId id="264" r:id="rId10"/>
-    <p:sldId id="265" r:id="rId11"/>
+    <p:sldId id="266" r:id="rId6"/>
+    <p:sldId id="261" r:id="rId7"/>
+    <p:sldId id="260" r:id="rId8"/>
+    <p:sldId id="262" r:id="rId9"/>
+    <p:sldId id="263" r:id="rId10"/>
+    <p:sldId id="264" r:id="rId11"/>
+    <p:sldId id="265" r:id="rId12"/>
   </p:sldIdLst>
   <p:sldSz cx="12192000" cy="6858000"/>
   <p:notesSz cx="6858000" cy="9144000"/>
@@ -113,6 +114,11 @@
       </a:defRPr>
     </a:lvl9pPr>
   </p:defaultTextStyle>
+  <p:extLst>
+    <p:ext uri="{EFAFB233-063F-42B5-8137-9DF3F51BA10A}">
+      <p15:sldGuideLst xmlns:p15="http://schemas.microsoft.com/office/powerpoint/2012/main"/>
+    </p:ext>
+  </p:extLst>
 </p:presentation>
 </file>
 
@@ -3947,6 +3953,89 @@
           <a:p>
             <a:r>
               <a:rPr lang="en-US" dirty="0" smtClean="0"/>
+              <a:t>Analysis</a:t>
+            </a:r>
+            <a:endParaRPr lang="en-US" dirty="0"/>
+          </a:p>
+        </p:txBody>
+      </p:sp>
+      <p:pic>
+        <p:nvPicPr>
+          <p:cNvPr id="5" name="Picture 4"/>
+          <p:cNvPicPr>
+            <a:picLocks noChangeAspect="1"/>
+          </p:cNvPicPr>
+          <p:nvPr/>
+        </p:nvPicPr>
+        <p:blipFill>
+          <a:blip r:embed="rId2">
+            <a:extLst>
+              <a:ext uri="{28A0092B-C50C-407E-A947-70E740481C1C}">
+                <a14:useLocalDpi xmlns:a14="http://schemas.microsoft.com/office/drawing/2010/main" val="0"/>
+              </a:ext>
+            </a:extLst>
+          </a:blip>
+          <a:stretch>
+            <a:fillRect/>
+          </a:stretch>
+        </p:blipFill>
+        <p:spPr>
+          <a:xfrm>
+            <a:off x="4030675" y="292608"/>
+            <a:ext cx="7736811" cy="6381523"/>
+          </a:xfrm>
+          <a:prstGeom prst="rect">
+            <a:avLst/>
+          </a:prstGeom>
+        </p:spPr>
+      </p:pic>
+    </p:spTree>
+    <p:extLst>
+      <p:ext uri="{BB962C8B-B14F-4D97-AF65-F5344CB8AC3E}">
+        <p14:creationId xmlns:p14="http://schemas.microsoft.com/office/powerpoint/2010/main" val="466032551"/>
+      </p:ext>
+    </p:extLst>
+  </p:cSld>
+  <p:clrMapOvr>
+    <a:masterClrMapping/>
+  </p:clrMapOvr>
+</p:sld>
+</file>
+
+<file path=ppt/slides/slide11.xml><?xml version="1.0" encoding="utf-8"?>
+<p:sld xmlns:a="http://schemas.openxmlformats.org/drawingml/2006/main" xmlns:r="http://schemas.openxmlformats.org/officeDocument/2006/relationships" xmlns:p="http://schemas.openxmlformats.org/presentationml/2006/main">
+  <p:cSld>
+    <p:spTree>
+      <p:nvGrpSpPr>
+        <p:cNvPr id="1" name=""/>
+        <p:cNvGrpSpPr/>
+        <p:nvPr/>
+      </p:nvGrpSpPr>
+      <p:grpSpPr>
+        <a:xfrm>
+          <a:off x="0" y="0"/>
+          <a:ext cx="0" cy="0"/>
+          <a:chOff x="0" y="0"/>
+          <a:chExt cx="0" cy="0"/>
+        </a:xfrm>
+      </p:grpSpPr>
+      <p:sp>
+        <p:nvSpPr>
+          <p:cNvPr id="2" name="Title 1"/>
+          <p:cNvSpPr>
+            <a:spLocks noGrp="1"/>
+          </p:cNvSpPr>
+          <p:nvPr>
+            <p:ph type="title"/>
+          </p:nvPr>
+        </p:nvSpPr>
+        <p:spPr/>
+        <p:txBody>
+          <a:bodyPr/>
+          <a:lstStyle/>
+          <a:p>
+            <a:r>
+              <a:rPr lang="en-US" dirty="0" smtClean="0"/>
               <a:t>The Stars</a:t>
             </a:r>
             <a:endParaRPr lang="en-US" dirty="0"/>
@@ -4243,7 +4332,7 @@
       </p:pic>
       <p:pic>
         <p:nvPicPr>
-          <p:cNvPr id="7" name="Picture 6"/>
+          <p:cNvPr id="3" name="Picture 2"/>
           <p:cNvPicPr>
             <a:picLocks noChangeAspect="1"/>
           </p:cNvPicPr>
@@ -4263,8 +4352,8 @@
         </p:blipFill>
         <p:spPr>
           <a:xfrm>
-            <a:off x="6666006" y="1579821"/>
-            <a:ext cx="4763585" cy="5043049"/>
+            <a:off x="6822694" y="1428750"/>
+            <a:ext cx="4839803" cy="5246295"/>
           </a:xfrm>
           <a:prstGeom prst="rect">
             <a:avLst/>
@@ -4333,7 +4422,7 @@
       </p:pic>
       <p:pic>
         <p:nvPicPr>
-          <p:cNvPr id="6" name="Picture 5"/>
+          <p:cNvPr id="2" name="Picture 1"/>
           <p:cNvPicPr>
             <a:picLocks noChangeAspect="1"/>
           </p:cNvPicPr>
@@ -4353,8 +4442,8 @@
         </p:blipFill>
         <p:spPr>
           <a:xfrm>
-            <a:off x="924445" y="1549146"/>
-            <a:ext cx="5017643" cy="3569513"/>
+            <a:off x="1379695" y="1549146"/>
+            <a:ext cx="4750882" cy="5043049"/>
           </a:xfrm>
           <a:prstGeom prst="rect">
             <a:avLst/>
@@ -4408,17 +4497,36 @@
           <a:p>
             <a:r>
               <a:rPr lang="en-US" dirty="0" smtClean="0"/>
-              <a:t>The Players</a:t>
+              <a:t>The Pull</a:t>
             </a:r>
             <a:endParaRPr lang="en-US" dirty="0"/>
+          </a:p>
+        </p:txBody>
+      </p:sp>
+      <p:sp>
+        <p:nvSpPr>
+          <p:cNvPr id="3" name="Content Placeholder 2"/>
+          <p:cNvSpPr>
+            <a:spLocks noGrp="1"/>
+          </p:cNvSpPr>
+          <p:nvPr>
+            <p:ph idx="1"/>
+          </p:nvPr>
+        </p:nvSpPr>
+        <p:spPr/>
+        <p:txBody>
+          <a:bodyPr/>
+          <a:lstStyle/>
+          <a:p>
+            <a:endParaRPr lang="en-US"/>
           </a:p>
         </p:txBody>
       </p:sp>
       <p:pic>
         <p:nvPicPr>
-          <p:cNvPr id="1026" name="Picture 2" descr="http://cache.ultiworld.com/wordpress/wp-content/uploads/2012/12/IMG_3744-ZF-9665-63342-1-001.jpg"/>
+          <p:cNvPr id="4" name="Picture 3"/>
           <p:cNvPicPr>
-            <a:picLocks noChangeAspect="1" noChangeArrowheads="1"/>
+            <a:picLocks noChangeAspect="1"/>
           </p:cNvPicPr>
           <p:nvPr/>
         </p:nvPicPr>
@@ -4430,138 +4538,24 @@
               </a:ext>
             </a:extLst>
           </a:blip>
-          <a:srcRect/>
           <a:stretch>
             <a:fillRect/>
           </a:stretch>
         </p:blipFill>
-        <p:spPr bwMode="auto">
-          <a:xfrm>
-            <a:off x="1298447" y="2149984"/>
-            <a:ext cx="4582973" cy="3271098"/>
+        <p:spPr>
+          <a:xfrm>
+            <a:off x="3360407" y="1812494"/>
+            <a:ext cx="5017643" cy="3569513"/>
           </a:xfrm>
           <a:prstGeom prst="rect">
             <a:avLst/>
           </a:prstGeom>
-          <a:noFill/>
-          <a:extLst>
-            <a:ext uri="{909E8E84-426E-40DD-AFC4-6F175D3DCCD1}">
-              <a14:hiddenFill xmlns:a14="http://schemas.microsoft.com/office/drawing/2010/main">
-                <a:solidFill>
-                  <a:srgbClr val="FFFFFF"/>
-                </a:solidFill>
-              </a14:hiddenFill>
-            </a:ext>
-          </a:extLst>
         </p:spPr>
       </p:pic>
-      <p:pic>
-        <p:nvPicPr>
-          <p:cNvPr id="1028" name="Picture 4" descr="http://cache.ultiworld.com/wordpress/wp-content/uploads/2014/10/Nationals_2014_CUS_20141018_174640_0111-ZF-2956-31505-1-001.jpg"/>
-          <p:cNvPicPr>
-            <a:picLocks noChangeAspect="1" noChangeArrowheads="1"/>
-          </p:cNvPicPr>
-          <p:nvPr/>
-        </p:nvPicPr>
-        <p:blipFill>
-          <a:blip r:embed="rId3">
-            <a:extLst>
-              <a:ext uri="{28A0092B-C50C-407E-A947-70E740481C1C}">
-                <a14:useLocalDpi xmlns:a14="http://schemas.microsoft.com/office/drawing/2010/main" val="0"/>
-              </a:ext>
-            </a:extLst>
-          </a:blip>
-          <a:srcRect/>
-          <a:stretch>
-            <a:fillRect/>
-          </a:stretch>
-        </p:blipFill>
-        <p:spPr bwMode="auto">
-          <a:xfrm>
-            <a:off x="6849244" y="2149984"/>
-            <a:ext cx="4914326" cy="3271098"/>
-          </a:xfrm>
-          <a:prstGeom prst="rect">
-            <a:avLst/>
-          </a:prstGeom>
-          <a:noFill/>
-          <a:extLst>
-            <a:ext uri="{909E8E84-426E-40DD-AFC4-6F175D3DCCD1}">
-              <a14:hiddenFill xmlns:a14="http://schemas.microsoft.com/office/drawing/2010/main">
-                <a:solidFill>
-                  <a:srgbClr val="FFFFFF"/>
-                </a:solidFill>
-              </a14:hiddenFill>
-            </a:ext>
-          </a:extLst>
-        </p:spPr>
-      </p:pic>
-      <p:sp>
-        <p:nvSpPr>
-          <p:cNvPr id="4" name="TextBox 3"/>
-          <p:cNvSpPr txBox="1"/>
-          <p:nvPr/>
-        </p:nvSpPr>
-        <p:spPr>
-          <a:xfrm>
-            <a:off x="1298448" y="5581498"/>
-            <a:ext cx="4582972" cy="369332"/>
-          </a:xfrm>
-          <a:prstGeom prst="rect">
-            <a:avLst/>
-          </a:prstGeom>
-          <a:noFill/>
-        </p:spPr>
-        <p:txBody>
-          <a:bodyPr wrap="square" rtlCol="0">
-            <a:spAutoFit/>
-          </a:bodyPr>
-          <a:lstStyle/>
-          <a:p>
-            <a:pPr algn="ctr"/>
-            <a:r>
-              <a:rPr lang="en-US" dirty="0" smtClean="0"/>
-              <a:t>Handlers	</a:t>
-            </a:r>
-            <a:endParaRPr lang="en-US" dirty="0"/>
-          </a:p>
-        </p:txBody>
-      </p:sp>
-      <p:sp>
-        <p:nvSpPr>
-          <p:cNvPr id="7" name="TextBox 6"/>
-          <p:cNvSpPr txBox="1"/>
-          <p:nvPr/>
-        </p:nvSpPr>
-        <p:spPr>
-          <a:xfrm>
-            <a:off x="6849244" y="5581498"/>
-            <a:ext cx="4914326" cy="369332"/>
-          </a:xfrm>
-          <a:prstGeom prst="rect">
-            <a:avLst/>
-          </a:prstGeom>
-          <a:noFill/>
-        </p:spPr>
-        <p:txBody>
-          <a:bodyPr wrap="square" rtlCol="0">
-            <a:spAutoFit/>
-          </a:bodyPr>
-          <a:lstStyle/>
-          <a:p>
-            <a:pPr algn="ctr"/>
-            <a:r>
-              <a:rPr lang="en-US" dirty="0" smtClean="0"/>
-              <a:t>Cutters	</a:t>
-            </a:r>
-            <a:endParaRPr lang="en-US" dirty="0"/>
-          </a:p>
-        </p:txBody>
-      </p:sp>
     </p:spTree>
     <p:extLst>
       <p:ext uri="{BB962C8B-B14F-4D97-AF65-F5344CB8AC3E}">
-        <p14:creationId xmlns:p14="http://schemas.microsoft.com/office/powerpoint/2010/main" val="3592321006"/>
+        <p14:creationId xmlns:p14="http://schemas.microsoft.com/office/powerpoint/2010/main" val="599650755"/>
       </p:ext>
     </p:extLst>
   </p:cSld>
@@ -4613,9 +4607,9 @@
       </p:sp>
       <p:pic>
         <p:nvPicPr>
-          <p:cNvPr id="4" name="Picture 3"/>
+          <p:cNvPr id="1026" name="Picture 2" descr="http://cache.ultiworld.com/wordpress/wp-content/uploads/2012/12/IMG_3744-ZF-9665-63342-1-001.jpg"/>
           <p:cNvPicPr>
-            <a:picLocks noChangeAspect="1"/>
+            <a:picLocks noChangeAspect="1" noChangeArrowheads="1"/>
           </p:cNvPicPr>
           <p:nvPr/>
         </p:nvPicPr>
@@ -4627,24 +4621,138 @@
               </a:ext>
             </a:extLst>
           </a:blip>
+          <a:srcRect/>
           <a:stretch>
             <a:fillRect/>
           </a:stretch>
         </p:blipFill>
-        <p:spPr>
-          <a:xfrm>
-            <a:off x="4389176" y="248716"/>
-            <a:ext cx="7750037" cy="6316675"/>
+        <p:spPr bwMode="auto">
+          <a:xfrm>
+            <a:off x="1298447" y="2149984"/>
+            <a:ext cx="4582973" cy="3271098"/>
           </a:xfrm>
           <a:prstGeom prst="rect">
             <a:avLst/>
           </a:prstGeom>
+          <a:noFill/>
+          <a:extLst>
+            <a:ext uri="{909E8E84-426E-40DD-AFC4-6F175D3DCCD1}">
+              <a14:hiddenFill xmlns:a14="http://schemas.microsoft.com/office/drawing/2010/main">
+                <a:solidFill>
+                  <a:srgbClr val="FFFFFF"/>
+                </a:solidFill>
+              </a14:hiddenFill>
+            </a:ext>
+          </a:extLst>
         </p:spPr>
       </p:pic>
+      <p:pic>
+        <p:nvPicPr>
+          <p:cNvPr id="1028" name="Picture 4" descr="http://cache.ultiworld.com/wordpress/wp-content/uploads/2014/10/Nationals_2014_CUS_20141018_174640_0111-ZF-2956-31505-1-001.jpg"/>
+          <p:cNvPicPr>
+            <a:picLocks noChangeAspect="1" noChangeArrowheads="1"/>
+          </p:cNvPicPr>
+          <p:nvPr/>
+        </p:nvPicPr>
+        <p:blipFill>
+          <a:blip r:embed="rId3">
+            <a:extLst>
+              <a:ext uri="{28A0092B-C50C-407E-A947-70E740481C1C}">
+                <a14:useLocalDpi xmlns:a14="http://schemas.microsoft.com/office/drawing/2010/main" val="0"/>
+              </a:ext>
+            </a:extLst>
+          </a:blip>
+          <a:srcRect/>
+          <a:stretch>
+            <a:fillRect/>
+          </a:stretch>
+        </p:blipFill>
+        <p:spPr bwMode="auto">
+          <a:xfrm>
+            <a:off x="6849244" y="2149984"/>
+            <a:ext cx="4914326" cy="3271098"/>
+          </a:xfrm>
+          <a:prstGeom prst="rect">
+            <a:avLst/>
+          </a:prstGeom>
+          <a:noFill/>
+          <a:extLst>
+            <a:ext uri="{909E8E84-426E-40DD-AFC4-6F175D3DCCD1}">
+              <a14:hiddenFill xmlns:a14="http://schemas.microsoft.com/office/drawing/2010/main">
+                <a:solidFill>
+                  <a:srgbClr val="FFFFFF"/>
+                </a:solidFill>
+              </a14:hiddenFill>
+            </a:ext>
+          </a:extLst>
+        </p:spPr>
+      </p:pic>
+      <p:sp>
+        <p:nvSpPr>
+          <p:cNvPr id="4" name="TextBox 3"/>
+          <p:cNvSpPr txBox="1"/>
+          <p:nvPr/>
+        </p:nvSpPr>
+        <p:spPr>
+          <a:xfrm>
+            <a:off x="1298448" y="5581498"/>
+            <a:ext cx="4582972" cy="369332"/>
+          </a:xfrm>
+          <a:prstGeom prst="rect">
+            <a:avLst/>
+          </a:prstGeom>
+          <a:noFill/>
+        </p:spPr>
+        <p:txBody>
+          <a:bodyPr wrap="square" rtlCol="0">
+            <a:spAutoFit/>
+          </a:bodyPr>
+          <a:lstStyle/>
+          <a:p>
+            <a:pPr algn="ctr"/>
+            <a:r>
+              <a:rPr lang="en-US" dirty="0" smtClean="0"/>
+              <a:t>Handlers	</a:t>
+            </a:r>
+            <a:endParaRPr lang="en-US" dirty="0"/>
+          </a:p>
+        </p:txBody>
+      </p:sp>
+      <p:sp>
+        <p:nvSpPr>
+          <p:cNvPr id="7" name="TextBox 6"/>
+          <p:cNvSpPr txBox="1"/>
+          <p:nvPr/>
+        </p:nvSpPr>
+        <p:spPr>
+          <a:xfrm>
+            <a:off x="6849244" y="5581498"/>
+            <a:ext cx="4914326" cy="369332"/>
+          </a:xfrm>
+          <a:prstGeom prst="rect">
+            <a:avLst/>
+          </a:prstGeom>
+          <a:noFill/>
+        </p:spPr>
+        <p:txBody>
+          <a:bodyPr wrap="square" rtlCol="0">
+            <a:spAutoFit/>
+          </a:bodyPr>
+          <a:lstStyle/>
+          <a:p>
+            <a:pPr algn="ctr"/>
+            <a:r>
+              <a:rPr lang="en-US" dirty="0" smtClean="0"/>
+              <a:t>Cutters	</a:t>
+            </a:r>
+            <a:endParaRPr lang="en-US" dirty="0"/>
+          </a:p>
+        </p:txBody>
+      </p:sp>
     </p:spTree>
     <p:extLst>
       <p:ext uri="{BB962C8B-B14F-4D97-AF65-F5344CB8AC3E}">
-        <p14:creationId xmlns:p14="http://schemas.microsoft.com/office/powerpoint/2010/main" val="3875519728"/>
+        <p14:creationId xmlns:p14="http://schemas.microsoft.com/office/powerpoint/2010/main" val="3592321006"/>
       </p:ext>
     </p:extLst>
   </p:cSld>
@@ -4688,7 +4796,7 @@
           <a:p>
             <a:r>
               <a:rPr lang="en-US" dirty="0" smtClean="0"/>
-              <a:t>The Points</a:t>
+              <a:t>The Players</a:t>
             </a:r>
             <a:endParaRPr lang="en-US" dirty="0"/>
           </a:p>
@@ -4696,9 +4804,9 @@
       </p:sp>
       <p:pic>
         <p:nvPicPr>
-          <p:cNvPr id="2050" name="Picture 2" descr="http://cache.ultiworld.com/wordpress/wp-content/uploads/2015/01/WUCC-2014-Thursday-20140807_125021_KYL_0760-ZF-5103-14069-1-033.jpg"/>
+          <p:cNvPr id="4" name="Picture 3"/>
           <p:cNvPicPr>
-            <a:picLocks noChangeAspect="1" noChangeArrowheads="1"/>
+            <a:picLocks noChangeAspect="1"/>
           </p:cNvPicPr>
           <p:nvPr/>
         </p:nvPicPr>
@@ -4710,35 +4818,24 @@
               </a:ext>
             </a:extLst>
           </a:blip>
-          <a:srcRect/>
           <a:stretch>
             <a:fillRect/>
           </a:stretch>
         </p:blipFill>
-        <p:spPr bwMode="auto">
-          <a:xfrm>
-            <a:off x="4710988" y="1348479"/>
-            <a:ext cx="6744132" cy="4813625"/>
+        <p:spPr>
+          <a:xfrm>
+            <a:off x="4389176" y="248716"/>
+            <a:ext cx="7750037" cy="6316675"/>
           </a:xfrm>
           <a:prstGeom prst="rect">
             <a:avLst/>
           </a:prstGeom>
-          <a:noFill/>
-          <a:extLst>
-            <a:ext uri="{909E8E84-426E-40DD-AFC4-6F175D3DCCD1}">
-              <a14:hiddenFill xmlns:a14="http://schemas.microsoft.com/office/drawing/2010/main">
-                <a:solidFill>
-                  <a:srgbClr val="FFFFFF"/>
-                </a:solidFill>
-              </a14:hiddenFill>
-            </a:ext>
-          </a:extLst>
         </p:spPr>
       </p:pic>
     </p:spTree>
     <p:extLst>
       <p:ext uri="{BB962C8B-B14F-4D97-AF65-F5344CB8AC3E}">
-        <p14:creationId xmlns:p14="http://schemas.microsoft.com/office/powerpoint/2010/main" val="1316823219"/>
+        <p14:creationId xmlns:p14="http://schemas.microsoft.com/office/powerpoint/2010/main" val="3875519728"/>
       </p:ext>
     </p:extLst>
   </p:cSld>
@@ -4782,7 +4879,7 @@
           <a:p>
             <a:r>
               <a:rPr lang="en-US" dirty="0" smtClean="0"/>
-              <a:t>Analysis</a:t>
+              <a:t>The Points</a:t>
             </a:r>
             <a:endParaRPr lang="en-US" dirty="0"/>
           </a:p>
@@ -4790,9 +4887,9 @@
       </p:sp>
       <p:pic>
         <p:nvPicPr>
-          <p:cNvPr id="4" name="Picture 3"/>
+          <p:cNvPr id="2050" name="Picture 2" descr="http://cache.ultiworld.com/wordpress/wp-content/uploads/2015/01/WUCC-2014-Thursday-20140807_125021_KYL_0760-ZF-5103-14069-1-033.jpg"/>
           <p:cNvPicPr>
-            <a:picLocks noChangeAspect="1"/>
+            <a:picLocks noChangeAspect="1" noChangeArrowheads="1"/>
           </p:cNvPicPr>
           <p:nvPr/>
         </p:nvPicPr>
@@ -4804,24 +4901,35 @@
               </a:ext>
             </a:extLst>
           </a:blip>
+          <a:srcRect/>
           <a:stretch>
             <a:fillRect/>
           </a:stretch>
         </p:blipFill>
-        <p:spPr>
-          <a:xfrm>
-            <a:off x="4217212" y="1023941"/>
-            <a:ext cx="7062827" cy="5101938"/>
+        <p:spPr bwMode="auto">
+          <a:xfrm>
+            <a:off x="4710988" y="1348479"/>
+            <a:ext cx="6744132" cy="4813625"/>
           </a:xfrm>
           <a:prstGeom prst="rect">
             <a:avLst/>
           </a:prstGeom>
+          <a:noFill/>
+          <a:extLst>
+            <a:ext uri="{909E8E84-426E-40DD-AFC4-6F175D3DCCD1}">
+              <a14:hiddenFill xmlns:a14="http://schemas.microsoft.com/office/drawing/2010/main">
+                <a:solidFill>
+                  <a:srgbClr val="FFFFFF"/>
+                </a:solidFill>
+              </a14:hiddenFill>
+            </a:ext>
+          </a:extLst>
         </p:spPr>
       </p:pic>
     </p:spTree>
     <p:extLst>
       <p:ext uri="{BB962C8B-B14F-4D97-AF65-F5344CB8AC3E}">
-        <p14:creationId xmlns:p14="http://schemas.microsoft.com/office/powerpoint/2010/main" val="2363044777"/>
+        <p14:creationId xmlns:p14="http://schemas.microsoft.com/office/powerpoint/2010/main" val="1316823219"/>
       </p:ext>
     </p:extLst>
   </p:cSld>
@@ -4873,7 +4981,7 @@
       </p:sp>
       <p:pic>
         <p:nvPicPr>
-          <p:cNvPr id="5" name="Picture 4"/>
+          <p:cNvPr id="4" name="Picture 3"/>
           <p:cNvPicPr>
             <a:picLocks noChangeAspect="1"/>
           </p:cNvPicPr>
@@ -4893,8 +5001,8 @@
         </p:blipFill>
         <p:spPr>
           <a:xfrm>
-            <a:off x="4030675" y="292608"/>
-            <a:ext cx="7736811" cy="6381523"/>
+            <a:off x="4217212" y="1023941"/>
+            <a:ext cx="7062827" cy="5101938"/>
           </a:xfrm>
           <a:prstGeom prst="rect">
             <a:avLst/>
@@ -4904,7 +5012,7 @@
     </p:spTree>
     <p:extLst>
       <p:ext uri="{BB962C8B-B14F-4D97-AF65-F5344CB8AC3E}">
-        <p14:creationId xmlns:p14="http://schemas.microsoft.com/office/powerpoint/2010/main" val="466032551"/>
+        <p14:creationId xmlns:p14="http://schemas.microsoft.com/office/powerpoint/2010/main" val="2363044777"/>
       </p:ext>
     </p:extLst>
   </p:cSld>
